--- a/Gitテスト.pptx
+++ b/Gitテスト.pptx
@@ -104,6 +104,11 @@
       </a:defRPr>
     </a:lvl9pPr>
   </p:defaultTextStyle>
+  <p:extLst>
+    <p:ext uri="{EFAFB233-063F-42B5-8137-9DF3F51BA10A}">
+      <p15:sldGuideLst xmlns:p15="http://schemas.microsoft.com/office/powerpoint/2012/main"/>
+    </p:ext>
+  </p:extLst>
 </p:presentation>
 </file>
 
@@ -254,7 +259,7 @@
           <a:p>
             <a:fld id="{8E01CDB3-3605-41DA-BB40-B5E05EA773B9}" type="datetimeFigureOut">
               <a:rPr kumimoji="1" lang="ja-JP" altLang="en-US" smtClean="0"/>
-              <a:t>2025/5/19</a:t>
+              <a:t>2025/6/4</a:t>
             </a:fld>
             <a:endParaRPr kumimoji="1" lang="ja-JP" altLang="en-US"/>
           </a:p>
@@ -484,7 +489,7 @@
           <a:p>
             <a:fld id="{8E01CDB3-3605-41DA-BB40-B5E05EA773B9}" type="datetimeFigureOut">
               <a:rPr kumimoji="1" lang="ja-JP" altLang="en-US" smtClean="0"/>
-              <a:t>2025/5/19</a:t>
+              <a:t>2025/6/4</a:t>
             </a:fld>
             <a:endParaRPr kumimoji="1" lang="ja-JP" altLang="en-US"/>
           </a:p>
@@ -724,7 +729,7 @@
           <a:p>
             <a:fld id="{8E01CDB3-3605-41DA-BB40-B5E05EA773B9}" type="datetimeFigureOut">
               <a:rPr kumimoji="1" lang="ja-JP" altLang="en-US" smtClean="0"/>
-              <a:t>2025/5/19</a:t>
+              <a:t>2025/6/4</a:t>
             </a:fld>
             <a:endParaRPr kumimoji="1" lang="ja-JP" altLang="en-US"/>
           </a:p>
@@ -954,7 +959,7 @@
           <a:p>
             <a:fld id="{8E01CDB3-3605-41DA-BB40-B5E05EA773B9}" type="datetimeFigureOut">
               <a:rPr kumimoji="1" lang="ja-JP" altLang="en-US" smtClean="0"/>
-              <a:t>2025/5/19</a:t>
+              <a:t>2025/6/4</a:t>
             </a:fld>
             <a:endParaRPr kumimoji="1" lang="ja-JP" altLang="en-US"/>
           </a:p>
@@ -1229,7 +1234,7 @@
           <a:p>
             <a:fld id="{8E01CDB3-3605-41DA-BB40-B5E05EA773B9}" type="datetimeFigureOut">
               <a:rPr kumimoji="1" lang="ja-JP" altLang="en-US" smtClean="0"/>
-              <a:t>2025/5/19</a:t>
+              <a:t>2025/6/4</a:t>
             </a:fld>
             <a:endParaRPr kumimoji="1" lang="ja-JP" altLang="en-US"/>
           </a:p>
@@ -1558,7 +1563,7 @@
           <a:p>
             <a:fld id="{8E01CDB3-3605-41DA-BB40-B5E05EA773B9}" type="datetimeFigureOut">
               <a:rPr kumimoji="1" lang="ja-JP" altLang="en-US" smtClean="0"/>
-              <a:t>2025/5/19</a:t>
+              <a:t>2025/6/4</a:t>
             </a:fld>
             <a:endParaRPr kumimoji="1" lang="ja-JP" altLang="en-US"/>
           </a:p>
@@ -2034,7 +2039,7 @@
           <a:p>
             <a:fld id="{8E01CDB3-3605-41DA-BB40-B5E05EA773B9}" type="datetimeFigureOut">
               <a:rPr kumimoji="1" lang="ja-JP" altLang="en-US" smtClean="0"/>
-              <a:t>2025/5/19</a:t>
+              <a:t>2025/6/4</a:t>
             </a:fld>
             <a:endParaRPr kumimoji="1" lang="ja-JP" altLang="en-US"/>
           </a:p>
@@ -2175,7 +2180,7 @@
           <a:p>
             <a:fld id="{8E01CDB3-3605-41DA-BB40-B5E05EA773B9}" type="datetimeFigureOut">
               <a:rPr kumimoji="1" lang="ja-JP" altLang="en-US" smtClean="0"/>
-              <a:t>2025/5/19</a:t>
+              <a:t>2025/6/4</a:t>
             </a:fld>
             <a:endParaRPr kumimoji="1" lang="ja-JP" altLang="en-US"/>
           </a:p>
@@ -2288,7 +2293,7 @@
           <a:p>
             <a:fld id="{8E01CDB3-3605-41DA-BB40-B5E05EA773B9}" type="datetimeFigureOut">
               <a:rPr kumimoji="1" lang="ja-JP" altLang="en-US" smtClean="0"/>
-              <a:t>2025/5/19</a:t>
+              <a:t>2025/6/4</a:t>
             </a:fld>
             <a:endParaRPr kumimoji="1" lang="ja-JP" altLang="en-US"/>
           </a:p>
@@ -2631,7 +2636,7 @@
           <a:p>
             <a:fld id="{8E01CDB3-3605-41DA-BB40-B5E05EA773B9}" type="datetimeFigureOut">
               <a:rPr kumimoji="1" lang="ja-JP" altLang="en-US" smtClean="0"/>
-              <a:t>2025/5/19</a:t>
+              <a:t>2025/6/4</a:t>
             </a:fld>
             <a:endParaRPr kumimoji="1" lang="ja-JP" altLang="en-US"/>
           </a:p>
@@ -2919,7 +2924,7 @@
           <a:p>
             <a:fld id="{8E01CDB3-3605-41DA-BB40-B5E05EA773B9}" type="datetimeFigureOut">
               <a:rPr kumimoji="1" lang="ja-JP" altLang="en-US" smtClean="0"/>
-              <a:t>2025/5/19</a:t>
+              <a:t>2025/6/4</a:t>
             </a:fld>
             <a:endParaRPr kumimoji="1" lang="ja-JP" altLang="en-US"/>
           </a:p>
@@ -3192,7 +3197,7 @@
           <a:p>
             <a:fld id="{8E01CDB3-3605-41DA-BB40-B5E05EA773B9}" type="datetimeFigureOut">
               <a:rPr kumimoji="1" lang="ja-JP" altLang="en-US" smtClean="0"/>
-              <a:t>2025/5/19</a:t>
+              <a:t>2025/6/4</a:t>
             </a:fld>
             <a:endParaRPr kumimoji="1" lang="ja-JP" altLang="en-US"/>
           </a:p>
@@ -3624,7 +3629,7 @@
         <p:spPr>
           <a:xfrm>
             <a:off x="3148553" y="2450969"/>
-            <a:ext cx="2489784" cy="369332"/>
+            <a:ext cx="2489784" cy="923330"/>
           </a:xfrm>
           <a:prstGeom prst="rect">
             <a:avLst/>
@@ -3638,10 +3643,19 @@
           <a:lstStyle/>
           <a:p>
             <a:r>
+              <a:rPr kumimoji="1" lang="en-US" altLang="ja-JP" dirty="0"/>
+              <a:t>Test 2025/5/19 10:15</a:t>
+            </a:r>
+          </a:p>
+          <a:p>
+            <a:endParaRPr lang="en-US" altLang="ja-JP" dirty="0"/>
+          </a:p>
+          <a:p>
+            <a:r>
               <a:rPr kumimoji="1" lang="en-US" altLang="ja-JP"/>
-              <a:t>Test 2025/5/19 10:15</a:t>
-            </a:r>
-            <a:endParaRPr kumimoji="1" lang="ja-JP" altLang="en-US"/>
+              <a:t>2025/6/4</a:t>
+            </a:r>
+            <a:endParaRPr kumimoji="1" lang="ja-JP" altLang="en-US" dirty="0"/>
           </a:p>
         </p:txBody>
       </p:sp>
